--- a/changgyu_참고자료/basic_LSTM.pptx
+++ b/changgyu_참고자료/basic_LSTM.pptx
@@ -243,7 +243,7 @@
           <a:p>
             <a:fld id="{22D02521-3544-4A5E-9A06-620D341E90FA}" type="datetimeFigureOut">
               <a:rPr lang="ko-KR" altLang="en-US" smtClean="0"/>
-              <a:t>2019-01-03</a:t>
+              <a:t>2019-01-04</a:t>
             </a:fld>
             <a:endParaRPr lang="ko-KR" altLang="en-US"/>
           </a:p>
@@ -413,7 +413,7 @@
           <a:p>
             <a:fld id="{22D02521-3544-4A5E-9A06-620D341E90FA}" type="datetimeFigureOut">
               <a:rPr lang="ko-KR" altLang="en-US" smtClean="0"/>
-              <a:t>2019-01-03</a:t>
+              <a:t>2019-01-04</a:t>
             </a:fld>
             <a:endParaRPr lang="ko-KR" altLang="en-US"/>
           </a:p>
@@ -593,7 +593,7 @@
           <a:p>
             <a:fld id="{22D02521-3544-4A5E-9A06-620D341E90FA}" type="datetimeFigureOut">
               <a:rPr lang="ko-KR" altLang="en-US" smtClean="0"/>
-              <a:t>2019-01-03</a:t>
+              <a:t>2019-01-04</a:t>
             </a:fld>
             <a:endParaRPr lang="ko-KR" altLang="en-US"/>
           </a:p>
@@ -763,7 +763,7 @@
           <a:p>
             <a:fld id="{22D02521-3544-4A5E-9A06-620D341E90FA}" type="datetimeFigureOut">
               <a:rPr lang="ko-KR" altLang="en-US" smtClean="0"/>
-              <a:t>2019-01-03</a:t>
+              <a:t>2019-01-04</a:t>
             </a:fld>
             <a:endParaRPr lang="ko-KR" altLang="en-US"/>
           </a:p>
@@ -1007,7 +1007,7 @@
           <a:p>
             <a:fld id="{22D02521-3544-4A5E-9A06-620D341E90FA}" type="datetimeFigureOut">
               <a:rPr lang="ko-KR" altLang="en-US" smtClean="0"/>
-              <a:t>2019-01-03</a:t>
+              <a:t>2019-01-04</a:t>
             </a:fld>
             <a:endParaRPr lang="ko-KR" altLang="en-US"/>
           </a:p>
@@ -1239,7 +1239,7 @@
           <a:p>
             <a:fld id="{22D02521-3544-4A5E-9A06-620D341E90FA}" type="datetimeFigureOut">
               <a:rPr lang="ko-KR" altLang="en-US" smtClean="0"/>
-              <a:t>2019-01-03</a:t>
+              <a:t>2019-01-04</a:t>
             </a:fld>
             <a:endParaRPr lang="ko-KR" altLang="en-US"/>
           </a:p>
@@ -1606,7 +1606,7 @@
           <a:p>
             <a:fld id="{22D02521-3544-4A5E-9A06-620D341E90FA}" type="datetimeFigureOut">
               <a:rPr lang="ko-KR" altLang="en-US" smtClean="0"/>
-              <a:t>2019-01-03</a:t>
+              <a:t>2019-01-04</a:t>
             </a:fld>
             <a:endParaRPr lang="ko-KR" altLang="en-US"/>
           </a:p>
@@ -1724,7 +1724,7 @@
           <a:p>
             <a:fld id="{22D02521-3544-4A5E-9A06-620D341E90FA}" type="datetimeFigureOut">
               <a:rPr lang="ko-KR" altLang="en-US" smtClean="0"/>
-              <a:t>2019-01-03</a:t>
+              <a:t>2019-01-04</a:t>
             </a:fld>
             <a:endParaRPr lang="ko-KR" altLang="en-US"/>
           </a:p>
@@ -1819,7 +1819,7 @@
           <a:p>
             <a:fld id="{22D02521-3544-4A5E-9A06-620D341E90FA}" type="datetimeFigureOut">
               <a:rPr lang="ko-KR" altLang="en-US" smtClean="0"/>
-              <a:t>2019-01-03</a:t>
+              <a:t>2019-01-04</a:t>
             </a:fld>
             <a:endParaRPr lang="ko-KR" altLang="en-US"/>
           </a:p>
@@ -2096,7 +2096,7 @@
           <a:p>
             <a:fld id="{22D02521-3544-4A5E-9A06-620D341E90FA}" type="datetimeFigureOut">
               <a:rPr lang="ko-KR" altLang="en-US" smtClean="0"/>
-              <a:t>2019-01-03</a:t>
+              <a:t>2019-01-04</a:t>
             </a:fld>
             <a:endParaRPr lang="ko-KR" altLang="en-US"/>
           </a:p>
@@ -2353,7 +2353,7 @@
           <a:p>
             <a:fld id="{22D02521-3544-4A5E-9A06-620D341E90FA}" type="datetimeFigureOut">
               <a:rPr lang="ko-KR" altLang="en-US" smtClean="0"/>
-              <a:t>2019-01-03</a:t>
+              <a:t>2019-01-04</a:t>
             </a:fld>
             <a:endParaRPr lang="ko-KR" altLang="en-US"/>
           </a:p>
@@ -2566,7 +2566,7 @@
           <a:p>
             <a:fld id="{22D02521-3544-4A5E-9A06-620D341E90FA}" type="datetimeFigureOut">
               <a:rPr lang="ko-KR" altLang="en-US" smtClean="0"/>
-              <a:t>2019-01-03</a:t>
+              <a:t>2019-01-04</a:t>
             </a:fld>
             <a:endParaRPr lang="ko-KR" altLang="en-US"/>
           </a:p>
@@ -2979,16 +2979,16 @@
         </p:nvSpPr>
         <p:spPr>
           <a:xfrm>
-            <a:off x="1401454" y="2106930"/>
+            <a:off x="1502038" y="2106930"/>
             <a:ext cx="6456671" cy="3038475"/>
           </a:xfrm>
           <a:prstGeom prst="rect">
             <a:avLst/>
           </a:prstGeom>
           <a:solidFill>
-            <a:srgbClr val="F3F3E0"/>
+            <a:srgbClr val="F1F0E2"/>
           </a:solidFill>
-          <a:ln w="28575">
+          <a:ln w="44450">
             <a:solidFill>
               <a:schemeClr val="tx1"/>
             </a:solidFill>
@@ -3029,7 +3029,7 @@
             </p:nvSpPr>
             <p:spPr>
               <a:xfrm>
-                <a:off x="3867150" y="4051803"/>
+                <a:off x="3967734" y="4051803"/>
                 <a:ext cx="1060280" cy="314813"/>
               </a:xfrm>
               <a:prstGeom prst="rect">
@@ -3038,7 +3038,7 @@
               <a:solidFill>
                 <a:schemeClr val="bg1"/>
               </a:solidFill>
-              <a:ln w="22225">
+              <a:ln w="31750">
                 <a:solidFill>
                   <a:schemeClr val="tx1"/>
                 </a:solidFill>
@@ -3072,7 +3072,7 @@
                     </m:oMathParaPr>
                     <m:oMath xmlns:m="http://schemas.openxmlformats.org/officeDocument/2006/math">
                       <m:r>
-                        <a:rPr lang="en-US" altLang="ko-KR" sz="2800" b="1" i="1" smtClean="0">
+                        <a:rPr lang="en-US" altLang="ko-KR" sz="3000" b="1" i="1" smtClean="0">
                           <a:solidFill>
                             <a:schemeClr val="tx1"/>
                           </a:solidFill>
@@ -3083,7 +3083,7 @@
                     </m:oMath>
                   </m:oMathPara>
                 </a14:m>
-                <a:endParaRPr lang="ko-KR" altLang="en-US" sz="2800" b="1" dirty="0">
+                <a:endParaRPr lang="ko-KR" altLang="en-US" sz="3000" b="1" dirty="0">
                   <a:solidFill>
                     <a:schemeClr val="tx1"/>
                   </a:solidFill>
@@ -3103,7 +3103,7 @@
             </p:nvSpPr>
             <p:spPr>
               <a:xfrm>
-                <a:off x="3867150" y="4051803"/>
+                <a:off x="3967734" y="4051803"/>
                 <a:ext cx="1060280" cy="314813"/>
               </a:xfrm>
               <a:prstGeom prst="rect">
@@ -3115,7 +3115,7 @@
                   <a:fillRect/>
                 </a:stretch>
               </a:blipFill>
-              <a:ln w="22225">
+              <a:ln w="31750">
                 <a:solidFill>
                   <a:schemeClr val="tx1"/>
                 </a:solidFill>
@@ -3146,7 +3146,7 @@
             </p:nvSpPr>
             <p:spPr>
               <a:xfrm>
-                <a:off x="1914524" y="4051803"/>
+                <a:off x="2015108" y="4051803"/>
                 <a:ext cx="754161" cy="314813"/>
               </a:xfrm>
               <a:prstGeom prst="rect">
@@ -3155,7 +3155,7 @@
               <a:solidFill>
                 <a:schemeClr val="bg1"/>
               </a:solidFill>
-              <a:ln w="22225">
+              <a:ln w="31750">
                 <a:solidFill>
                   <a:schemeClr val="tx1"/>
                 </a:solidFill>
@@ -3189,7 +3189,7 @@
                     </m:oMathParaPr>
                     <m:oMath xmlns:m="http://schemas.openxmlformats.org/officeDocument/2006/math">
                       <m:r>
-                        <a:rPr lang="ko-KR" altLang="en-US" sz="2800" b="1" i="1" smtClean="0">
+                        <a:rPr lang="ko-KR" altLang="en-US" sz="3000" b="1" i="1" smtClean="0">
                           <a:solidFill>
                             <a:schemeClr val="tx1"/>
                           </a:solidFill>
@@ -3200,7 +3200,7 @@
                     </m:oMath>
                   </m:oMathPara>
                 </a14:m>
-                <a:endParaRPr lang="ko-KR" altLang="en-US" sz="2800" b="1" dirty="0">
+                <a:endParaRPr lang="ko-KR" altLang="en-US" sz="3000" b="1" dirty="0">
                   <a:solidFill>
                     <a:schemeClr val="tx1"/>
                   </a:solidFill>
@@ -3220,7 +3220,7 @@
             </p:nvSpPr>
             <p:spPr>
               <a:xfrm>
-                <a:off x="1914524" y="4051803"/>
+                <a:off x="2015108" y="4051803"/>
                 <a:ext cx="754161" cy="314813"/>
               </a:xfrm>
               <a:prstGeom prst="rect">
@@ -3232,7 +3232,7 @@
                   <a:fillRect/>
                 </a:stretch>
               </a:blipFill>
-              <a:ln w="22225">
+              <a:ln w="31750">
                 <a:solidFill>
                   <a:schemeClr val="tx1"/>
                 </a:solidFill>
@@ -3263,7 +3263,7 @@
             </p:nvSpPr>
             <p:spPr>
               <a:xfrm>
-                <a:off x="2880089" y="4051803"/>
+                <a:off x="2980673" y="4051803"/>
                 <a:ext cx="754161" cy="314813"/>
               </a:xfrm>
               <a:prstGeom prst="rect">
@@ -3272,7 +3272,7 @@
               <a:solidFill>
                 <a:schemeClr val="bg1"/>
               </a:solidFill>
-              <a:ln w="22225">
+              <a:ln w="31750">
                 <a:solidFill>
                   <a:schemeClr val="tx1"/>
                 </a:solidFill>
@@ -3306,7 +3306,7 @@
                     </m:oMathParaPr>
                     <m:oMath xmlns:m="http://schemas.openxmlformats.org/officeDocument/2006/math">
                       <m:r>
-                        <a:rPr lang="ko-KR" altLang="en-US" sz="2800" b="1" i="1" smtClean="0">
+                        <a:rPr lang="ko-KR" altLang="en-US" sz="3000" b="1" i="1" smtClean="0">
                           <a:solidFill>
                             <a:schemeClr val="tx1"/>
                           </a:solidFill>
@@ -3317,7 +3317,7 @@
                     </m:oMath>
                   </m:oMathPara>
                 </a14:m>
-                <a:endParaRPr lang="ko-KR" altLang="en-US" sz="2800" b="1" dirty="0">
+                <a:endParaRPr lang="ko-KR" altLang="en-US" sz="3000" b="1" dirty="0">
                   <a:solidFill>
                     <a:schemeClr val="tx1"/>
                   </a:solidFill>
@@ -3337,7 +3337,7 @@
             </p:nvSpPr>
             <p:spPr>
               <a:xfrm>
-                <a:off x="2880089" y="4051803"/>
+                <a:off x="2980673" y="4051803"/>
                 <a:ext cx="754161" cy="314813"/>
               </a:xfrm>
               <a:prstGeom prst="rect">
@@ -3349,7 +3349,7 @@
                   <a:fillRect/>
                 </a:stretch>
               </a:blipFill>
-              <a:ln w="22225">
+              <a:ln w="31750">
                 <a:solidFill>
                   <a:schemeClr val="tx1"/>
                 </a:solidFill>
@@ -3380,7 +3380,7 @@
             </p:nvSpPr>
             <p:spPr>
               <a:xfrm>
-                <a:off x="5111870" y="4051803"/>
+                <a:off x="5212454" y="4051803"/>
                 <a:ext cx="754161" cy="314813"/>
               </a:xfrm>
               <a:prstGeom prst="rect">
@@ -3389,7 +3389,7 @@
               <a:solidFill>
                 <a:schemeClr val="bg1"/>
               </a:solidFill>
-              <a:ln w="22225">
+              <a:ln w="31750">
                 <a:solidFill>
                   <a:schemeClr val="tx1"/>
                 </a:solidFill>
@@ -3423,7 +3423,7 @@
                     </m:oMathParaPr>
                     <m:oMath xmlns:m="http://schemas.openxmlformats.org/officeDocument/2006/math">
                       <m:r>
-                        <a:rPr lang="ko-KR" altLang="en-US" sz="2800" b="1" i="1" smtClean="0">
+                        <a:rPr lang="ko-KR" altLang="en-US" sz="3000" b="1" i="1" smtClean="0">
                           <a:solidFill>
                             <a:schemeClr val="tx1"/>
                           </a:solidFill>
@@ -3434,7 +3434,7 @@
                     </m:oMath>
                   </m:oMathPara>
                 </a14:m>
-                <a:endParaRPr lang="ko-KR" altLang="en-US" sz="2800" b="1" dirty="0">
+                <a:endParaRPr lang="ko-KR" altLang="en-US" sz="3000" b="1" dirty="0">
                   <a:solidFill>
                     <a:schemeClr val="tx1"/>
                   </a:solidFill>
@@ -3454,7 +3454,7 @@
             </p:nvSpPr>
             <p:spPr>
               <a:xfrm>
-                <a:off x="5111870" y="4051803"/>
+                <a:off x="5212454" y="4051803"/>
                 <a:ext cx="754161" cy="314813"/>
               </a:xfrm>
               <a:prstGeom prst="rect">
@@ -3466,7 +3466,7 @@
                   <a:fillRect/>
                 </a:stretch>
               </a:blipFill>
-              <a:ln w="22225">
+              <a:ln w="31750">
                 <a:solidFill>
                   <a:schemeClr val="tx1"/>
                 </a:solidFill>
@@ -3497,8 +3497,8 @@
             </p:nvSpPr>
             <p:spPr>
               <a:xfrm>
-                <a:off x="6043088" y="2931106"/>
-                <a:ext cx="1005412" cy="324539"/>
+                <a:off x="6120812" y="2915866"/>
+                <a:ext cx="1036930" cy="394789"/>
               </a:xfrm>
               <a:prstGeom prst="ellipse">
                 <a:avLst/>
@@ -3506,7 +3506,7 @@
               <a:solidFill>
                 <a:schemeClr val="bg1"/>
               </a:solidFill>
-              <a:ln w="22225">
+              <a:ln w="31750">
                 <a:solidFill>
                   <a:schemeClr val="tx1"/>
                 </a:solidFill>
@@ -3540,7 +3540,7 @@
                     </m:oMathParaPr>
                     <m:oMath xmlns:m="http://schemas.openxmlformats.org/officeDocument/2006/math">
                       <m:r>
-                        <a:rPr lang="en-US" altLang="ko-KR" b="1" i="1" smtClean="0">
+                        <a:rPr lang="en-US" altLang="ko-KR" sz="3000" b="1" i="1" smtClean="0">
                           <a:solidFill>
                             <a:schemeClr val="tx1"/>
                           </a:solidFill>
@@ -3551,7 +3551,7 @@
                     </m:oMath>
                   </m:oMathPara>
                 </a14:m>
-                <a:endParaRPr lang="ko-KR" altLang="en-US" b="1" dirty="0">
+                <a:endParaRPr lang="ko-KR" altLang="en-US" sz="3000" b="1" dirty="0">
                   <a:solidFill>
                     <a:schemeClr val="tx1"/>
                   </a:solidFill>
@@ -3571,8 +3571,8 @@
             </p:nvSpPr>
             <p:spPr>
               <a:xfrm>
-                <a:off x="6043088" y="2931106"/>
-                <a:ext cx="1005412" cy="324539"/>
+                <a:off x="6120812" y="2915866"/>
+                <a:ext cx="1036930" cy="394789"/>
               </a:xfrm>
               <a:prstGeom prst="ellipse">
                 <a:avLst/>
@@ -3583,7 +3583,7 @@
                   <a:fillRect/>
                 </a:stretch>
               </a:blipFill>
-              <a:ln w="22225">
+              <a:ln w="31750">
                 <a:solidFill>
                   <a:schemeClr val="tx1"/>
                 </a:solidFill>
@@ -3612,13 +3612,13 @@
         </p:nvCxnSpPr>
         <p:spPr>
           <a:xfrm>
-            <a:off x="1401352" y="4657725"/>
+            <a:off x="1501936" y="4657725"/>
             <a:ext cx="4087598" cy="0"/>
           </a:xfrm>
           <a:prstGeom prst="line">
             <a:avLst/>
           </a:prstGeom>
-          <a:ln w="22225">
+          <a:ln w="31750">
             <a:solidFill>
               <a:schemeClr val="tx1"/>
             </a:solidFill>
@@ -3649,13 +3649,13 @@
         </p:nvCxnSpPr>
         <p:spPr>
           <a:xfrm flipV="1">
-            <a:off x="5488950" y="4366615"/>
+            <a:off x="5589534" y="4366615"/>
             <a:ext cx="1" cy="298800"/>
           </a:xfrm>
           <a:prstGeom prst="line">
             <a:avLst/>
           </a:prstGeom>
-          <a:ln w="22225">
+          <a:ln w="31750">
             <a:solidFill>
               <a:schemeClr val="tx1"/>
             </a:solidFill>
@@ -3686,13 +3686,13 @@
         </p:nvCxnSpPr>
         <p:spPr>
           <a:xfrm flipH="1" flipV="1">
-            <a:off x="4397290" y="4366616"/>
+            <a:off x="4497874" y="4366616"/>
             <a:ext cx="2382" cy="306000"/>
           </a:xfrm>
           <a:prstGeom prst="line">
             <a:avLst/>
           </a:prstGeom>
-          <a:ln w="22225">
+          <a:ln w="31750">
             <a:solidFill>
               <a:schemeClr val="tx1"/>
             </a:solidFill>
@@ -3723,13 +3723,13 @@
         </p:nvCxnSpPr>
         <p:spPr>
           <a:xfrm flipH="1" flipV="1">
-            <a:off x="3257170" y="4366616"/>
+            <a:off x="3357754" y="4366616"/>
             <a:ext cx="2382" cy="306000"/>
           </a:xfrm>
           <a:prstGeom prst="line">
             <a:avLst/>
           </a:prstGeom>
-          <a:ln w="22225">
+          <a:ln w="31750">
             <a:solidFill>
               <a:schemeClr val="tx1"/>
             </a:solidFill>
@@ -3760,13 +3760,13 @@
         </p:nvCxnSpPr>
         <p:spPr>
           <a:xfrm flipV="1">
-            <a:off x="2291456" y="4366616"/>
+            <a:off x="2392040" y="4366616"/>
             <a:ext cx="149" cy="306000"/>
           </a:xfrm>
           <a:prstGeom prst="line">
             <a:avLst/>
           </a:prstGeom>
-          <a:ln w="22225">
+          <a:ln w="31750">
             <a:solidFill>
               <a:schemeClr val="tx1"/>
             </a:solidFill>
@@ -3798,13 +3798,13 @@
         </p:nvCxnSpPr>
         <p:spPr>
           <a:xfrm flipH="1" flipV="1">
-            <a:off x="2291604" y="2775456"/>
+            <a:off x="2392188" y="2775456"/>
             <a:ext cx="1" cy="1276347"/>
           </a:xfrm>
           <a:prstGeom prst="straightConnector1">
             <a:avLst/>
           </a:prstGeom>
-          <a:ln w="22225">
+          <a:ln w="31750">
             <a:solidFill>
               <a:schemeClr val="tx1"/>
             </a:solidFill>
@@ -3837,13 +3837,13 @@
         </p:nvCxnSpPr>
         <p:spPr>
           <a:xfrm rot="5400000" flipH="1" flipV="1">
-            <a:off x="3392493" y="3227006"/>
+            <a:off x="3493077" y="3227006"/>
             <a:ext cx="689475" cy="960120"/>
           </a:xfrm>
           <a:prstGeom prst="bentConnector2">
             <a:avLst/>
           </a:prstGeom>
-          <a:ln w="22225">
+          <a:ln w="31750">
             <a:solidFill>
               <a:schemeClr val="tx1"/>
             </a:solidFill>
@@ -3876,13 +3876,13 @@
         </p:nvCxnSpPr>
         <p:spPr>
           <a:xfrm flipV="1">
-            <a:off x="4397290" y="3542328"/>
+            <a:off x="4497874" y="3542328"/>
             <a:ext cx="0" cy="509475"/>
           </a:xfrm>
           <a:prstGeom prst="straightConnector1">
             <a:avLst/>
           </a:prstGeom>
-          <a:ln w="22225">
+          <a:ln w="31750">
             <a:solidFill>
               <a:schemeClr val="tx1"/>
             </a:solidFill>
@@ -3915,7 +3915,7 @@
         </p:nvCxnSpPr>
         <p:spPr>
           <a:xfrm flipV="1">
-            <a:off x="4397290" y="2775456"/>
+            <a:off x="4497874" y="2775456"/>
             <a:ext cx="0" cy="406872"/>
           </a:xfrm>
           <a:prstGeom prst="straightConnector1">
@@ -3954,13 +3954,13 @@
         </p:nvCxnSpPr>
         <p:spPr>
           <a:xfrm>
-            <a:off x="2471604" y="2595456"/>
+            <a:off x="2572188" y="2595456"/>
             <a:ext cx="1745686" cy="0"/>
           </a:xfrm>
           <a:prstGeom prst="straightConnector1">
             <a:avLst/>
           </a:prstGeom>
-          <a:ln w="22225">
+          <a:ln w="31750">
             <a:solidFill>
               <a:schemeClr val="tx1"/>
             </a:solidFill>
@@ -3990,13 +3990,13 @@
         </p:nvCxnSpPr>
         <p:spPr>
           <a:xfrm flipV="1">
-            <a:off x="4569670" y="2591658"/>
+            <a:off x="4670254" y="2591658"/>
             <a:ext cx="3824105" cy="7596"/>
           </a:xfrm>
           <a:prstGeom prst="straightConnector1">
             <a:avLst/>
           </a:prstGeom>
-          <a:ln w="22225">
+          <a:ln w="31750">
             <a:solidFill>
               <a:schemeClr val="tx1"/>
             </a:solidFill>
@@ -4028,13 +4028,13 @@
         </p:nvCxnSpPr>
         <p:spPr>
           <a:xfrm>
-            <a:off x="6545794" y="2590742"/>
+            <a:off x="6623518" y="2575502"/>
             <a:ext cx="0" cy="340364"/>
           </a:xfrm>
           <a:prstGeom prst="line">
             <a:avLst/>
           </a:prstGeom>
-          <a:ln w="22225">
+          <a:ln w="31750">
             <a:solidFill>
               <a:schemeClr val="tx1"/>
             </a:solidFill>
@@ -4065,13 +4065,13 @@
         </p:nvCxnSpPr>
         <p:spPr>
           <a:xfrm rot="16200000" flipH="1">
-            <a:off x="7080702" y="3344653"/>
+            <a:off x="7181286" y="3344653"/>
             <a:ext cx="778164" cy="1847980"/>
           </a:xfrm>
           <a:prstGeom prst="bentConnector2">
             <a:avLst/>
           </a:prstGeom>
-          <a:ln w="22225">
+          <a:ln w="31750">
             <a:solidFill>
               <a:schemeClr val="tx1"/>
             </a:solidFill>
@@ -4101,13 +4101,13 @@
         </p:nvCxnSpPr>
         <p:spPr>
           <a:xfrm flipV="1">
-            <a:off x="7260017" y="2698396"/>
+            <a:off x="7360601" y="2698396"/>
             <a:ext cx="0" cy="1959328"/>
           </a:xfrm>
           <a:prstGeom prst="line">
             <a:avLst/>
           </a:prstGeom>
-          <a:ln w="22225">
+          <a:ln w="31750">
             <a:solidFill>
               <a:schemeClr val="tx1"/>
             </a:solidFill>
@@ -4136,13 +4136,13 @@
         </p:nvCxnSpPr>
         <p:spPr>
           <a:xfrm flipV="1">
-            <a:off x="7260017" y="1460838"/>
+            <a:off x="7360601" y="1460838"/>
             <a:ext cx="5506" cy="994065"/>
           </a:xfrm>
           <a:prstGeom prst="straightConnector1">
             <a:avLst/>
           </a:prstGeom>
-          <a:ln w="22225">
+          <a:ln w="31750">
             <a:solidFill>
               <a:schemeClr val="tx1"/>
             </a:solidFill>
@@ -4172,7 +4172,7 @@
         </p:nvSpPr>
         <p:spPr>
           <a:xfrm>
-            <a:off x="4217290" y="3182328"/>
+            <a:off x="4317874" y="3182328"/>
             <a:ext cx="360000" cy="360000"/>
           </a:xfrm>
           <a:prstGeom prst="ellipse">
@@ -4181,7 +4181,7 @@
           <a:solidFill>
             <a:schemeClr val="bg1"/>
           </a:solidFill>
-          <a:ln w="22225">
+          <a:ln w="31750">
             <a:solidFill>
               <a:schemeClr val="tx1"/>
             </a:solidFill>
@@ -4232,7 +4232,7 @@
         </p:nvSpPr>
         <p:spPr>
           <a:xfrm>
-            <a:off x="6365794" y="3519561"/>
+            <a:off x="6466378" y="3519561"/>
             <a:ext cx="360000" cy="360000"/>
           </a:xfrm>
           <a:prstGeom prst="ellipse">
@@ -4241,7 +4241,7 @@
           <a:solidFill>
             <a:schemeClr val="bg1"/>
           </a:solidFill>
-          <a:ln w="22225">
+          <a:ln w="31750">
             <a:solidFill>
               <a:schemeClr val="tx1"/>
             </a:solidFill>
@@ -4292,13 +4292,13 @@
         </p:nvCxnSpPr>
         <p:spPr>
           <a:xfrm>
-            <a:off x="1841500" y="4657725"/>
+            <a:off x="1942084" y="4657725"/>
             <a:ext cx="0" cy="939800"/>
           </a:xfrm>
           <a:prstGeom prst="line">
             <a:avLst/>
           </a:prstGeom>
-          <a:ln w="22225">
+          <a:ln w="31750">
             <a:solidFill>
               <a:schemeClr val="tx1"/>
             </a:solidFill>
@@ -4327,13 +4327,13 @@
         </p:nvCxnSpPr>
         <p:spPr>
           <a:xfrm flipV="1">
-            <a:off x="871220" y="4657724"/>
+            <a:off x="971804" y="4657724"/>
             <a:ext cx="536400" cy="1"/>
           </a:xfrm>
           <a:prstGeom prst="straightConnector1">
             <a:avLst/>
           </a:prstGeom>
-          <a:ln w="22225">
+          <a:ln w="31750">
             <a:solidFill>
               <a:schemeClr val="tx1"/>
             </a:solidFill>
@@ -4366,13 +4366,13 @@
         </p:nvCxnSpPr>
         <p:spPr>
           <a:xfrm rot="5400000" flipH="1" flipV="1">
-            <a:off x="5751251" y="3437261"/>
+            <a:off x="5851835" y="3437261"/>
             <a:ext cx="352242" cy="876843"/>
           </a:xfrm>
           <a:prstGeom prst="bentConnector2">
             <a:avLst/>
           </a:prstGeom>
-          <a:ln w="22225">
+          <a:ln w="31750">
             <a:solidFill>
               <a:schemeClr val="tx1"/>
             </a:solidFill>
@@ -4404,8 +4404,8 @@
             </p:nvSpPr>
             <p:spPr>
               <a:xfrm>
-                <a:off x="229081" y="4467964"/>
-                <a:ext cx="668388" cy="369332"/>
+                <a:off x="88965" y="4366615"/>
+                <a:ext cx="892296" cy="492443"/>
               </a:xfrm>
               <a:prstGeom prst="rect">
                 <a:avLst/>
@@ -4418,6 +4418,7 @@
               </a:bodyPr>
               <a:lstStyle/>
               <a:p>
+                <a:pPr/>
                 <a14:m>
                   <m:oMathPara xmlns:m="http://schemas.openxmlformats.org/officeDocument/2006/math">
                     <m:oMathParaPr>
@@ -4427,14 +4428,14 @@
                       <m:sSub>
                         <m:sSubPr>
                           <m:ctrlPr>
-                            <a:rPr lang="en-US" altLang="ko-KR" sz="2400" b="1" i="1" smtClean="0">
+                            <a:rPr lang="en-US" altLang="ko-KR" sz="3200" b="1" i="1" smtClean="0">
                               <a:latin typeface="Cambria Math" panose="02040503050406030204" pitchFamily="18" charset="0"/>
                             </a:rPr>
                           </m:ctrlPr>
                         </m:sSubPr>
                         <m:e>
                           <m:r>
-                            <a:rPr lang="en-US" altLang="ko-KR" sz="2400" b="1" i="1" smtClean="0">
+                            <a:rPr lang="en-US" altLang="ko-KR" sz="3200" b="1" i="1" smtClean="0">
                               <a:latin typeface="Cambria Math" panose="02040503050406030204" pitchFamily="18" charset="0"/>
                             </a:rPr>
                             <m:t>𝒉</m:t>
@@ -4442,19 +4443,19 @@
                         </m:e>
                         <m:sub>
                           <m:r>
-                            <a:rPr lang="en-US" altLang="ko-KR" sz="2400" b="1" i="1" smtClean="0">
+                            <a:rPr lang="en-US" altLang="ko-KR" sz="3200" b="1" i="1" smtClean="0">
                               <a:latin typeface="Cambria Math" panose="02040503050406030204" pitchFamily="18" charset="0"/>
                             </a:rPr>
                             <m:t>𝒕</m:t>
                           </m:r>
                           <m:r>
-                            <a:rPr lang="en-US" altLang="ko-KR" sz="2400" b="1" i="1" smtClean="0">
+                            <a:rPr lang="en-US" altLang="ko-KR" sz="3200" b="1" i="1" smtClean="0">
                               <a:latin typeface="Cambria Math" panose="02040503050406030204" pitchFamily="18" charset="0"/>
                             </a:rPr>
                             <m:t>−</m:t>
                           </m:r>
                           <m:r>
-                            <a:rPr lang="en-US" altLang="ko-KR" sz="2400" b="1" i="1" smtClean="0">
+                            <a:rPr lang="en-US" altLang="ko-KR" sz="3200" b="1" i="1" smtClean="0">
                               <a:latin typeface="Cambria Math" panose="02040503050406030204" pitchFamily="18" charset="0"/>
                             </a:rPr>
                             <m:t>𝟏</m:t>
@@ -4464,7 +4465,7 @@
                     </m:oMath>
                   </m:oMathPara>
                 </a14:m>
-                <a:endParaRPr lang="ko-KR" altLang="en-US" sz="2400" b="1" dirty="0"/>
+                <a:endParaRPr lang="ko-KR" altLang="en-US" sz="3200" b="1" dirty="0"/>
               </a:p>
             </p:txBody>
           </p:sp>
@@ -4480,8 +4481,8 @@
             </p:nvSpPr>
             <p:spPr>
               <a:xfrm>
-                <a:off x="229081" y="4467964"/>
-                <a:ext cx="668388" cy="369332"/>
+                <a:off x="88965" y="4366615"/>
+                <a:ext cx="892296" cy="492443"/>
               </a:xfrm>
               <a:prstGeom prst="rect">
                 <a:avLst/>
@@ -4489,7 +4490,7 @@
               <a:blipFill>
                 <a:blip r:embed="rId7"/>
                 <a:stretch>
-                  <a:fillRect l="-11927" r="-5505" b="-14754"/>
+                  <a:fillRect/>
                 </a:stretch>
               </a:blipFill>
             </p:spPr>
@@ -4518,8 +4519,8 @@
             </p:nvSpPr>
             <p:spPr>
               <a:xfrm>
-                <a:off x="233625" y="2405446"/>
-                <a:ext cx="666786" cy="369332"/>
+                <a:off x="96793" y="2333218"/>
+                <a:ext cx="890693" cy="492443"/>
               </a:xfrm>
               <a:prstGeom prst="rect">
                 <a:avLst/>
@@ -4532,6 +4533,7 @@
               </a:bodyPr>
               <a:lstStyle/>
               <a:p>
+                <a:pPr/>
                 <a14:m>
                   <m:oMathPara xmlns:m="http://schemas.openxmlformats.org/officeDocument/2006/math">
                     <m:oMathParaPr>
@@ -4541,14 +4543,14 @@
                       <m:sSub>
                         <m:sSubPr>
                           <m:ctrlPr>
-                            <a:rPr lang="en-US" altLang="ko-KR" sz="2400" b="1" i="1" smtClean="0">
+                            <a:rPr lang="en-US" altLang="ko-KR" sz="3200" b="1" i="1" smtClean="0">
                               <a:latin typeface="Cambria Math" panose="02040503050406030204" pitchFamily="18" charset="0"/>
                             </a:rPr>
                           </m:ctrlPr>
                         </m:sSubPr>
                         <m:e>
                           <m:r>
-                            <a:rPr lang="en-US" altLang="ko-KR" sz="2400" b="1" i="1" smtClean="0">
+                            <a:rPr lang="en-US" altLang="ko-KR" sz="3200" b="1" i="1" smtClean="0">
                               <a:latin typeface="Cambria Math" panose="02040503050406030204" pitchFamily="18" charset="0"/>
                             </a:rPr>
                             <m:t>𝑪</m:t>
@@ -4556,19 +4558,19 @@
                         </m:e>
                         <m:sub>
                           <m:r>
-                            <a:rPr lang="en-US" altLang="ko-KR" sz="2400" b="1" i="1" smtClean="0">
+                            <a:rPr lang="en-US" altLang="ko-KR" sz="3200" b="1" i="1" smtClean="0">
                               <a:latin typeface="Cambria Math" panose="02040503050406030204" pitchFamily="18" charset="0"/>
                             </a:rPr>
                             <m:t>𝒕</m:t>
                           </m:r>
                           <m:r>
-                            <a:rPr lang="en-US" altLang="ko-KR" sz="2400" b="1" i="1" smtClean="0">
+                            <a:rPr lang="en-US" altLang="ko-KR" sz="3200" b="1" i="1" smtClean="0">
                               <a:latin typeface="Cambria Math" panose="02040503050406030204" pitchFamily="18" charset="0"/>
                             </a:rPr>
                             <m:t>−</m:t>
                           </m:r>
                           <m:r>
-                            <a:rPr lang="en-US" altLang="ko-KR" sz="2400" b="1" i="1" smtClean="0">
+                            <a:rPr lang="en-US" altLang="ko-KR" sz="3200" b="1" i="1" smtClean="0">
                               <a:latin typeface="Cambria Math" panose="02040503050406030204" pitchFamily="18" charset="0"/>
                             </a:rPr>
                             <m:t>𝟏</m:t>
@@ -4578,7 +4580,7 @@
                     </m:oMath>
                   </m:oMathPara>
                 </a14:m>
-                <a:endParaRPr lang="ko-KR" altLang="en-US" sz="2400" b="1" dirty="0"/>
+                <a:endParaRPr lang="ko-KR" altLang="en-US" sz="3200" b="1" dirty="0"/>
               </a:p>
             </p:txBody>
           </p:sp>
@@ -4594,8 +4596,8 @@
             </p:nvSpPr>
             <p:spPr>
               <a:xfrm>
-                <a:off x="233625" y="2405446"/>
-                <a:ext cx="666786" cy="369332"/>
+                <a:off x="96793" y="2333218"/>
+                <a:ext cx="890693" cy="492443"/>
               </a:xfrm>
               <a:prstGeom prst="rect">
                 <a:avLst/>
@@ -4603,7 +4605,7 @@
               <a:blipFill>
                 <a:blip r:embed="rId8"/>
                 <a:stretch>
-                  <a:fillRect l="-10000" r="-4545" b="-16667"/>
+                  <a:fillRect/>
                 </a:stretch>
               </a:blipFill>
             </p:spPr>
@@ -4632,8 +4634,8 @@
             </p:nvSpPr>
             <p:spPr>
               <a:xfrm>
-                <a:off x="8453039" y="4473058"/>
-                <a:ext cx="370230" cy="369332"/>
+                <a:off x="8571804" y="4366615"/>
+                <a:ext cx="494751" cy="492443"/>
               </a:xfrm>
               <a:prstGeom prst="rect">
                 <a:avLst/>
@@ -4646,6 +4648,7 @@
               </a:bodyPr>
               <a:lstStyle/>
               <a:p>
+                <a:pPr/>
                 <a14:m>
                   <m:oMathPara xmlns:m="http://schemas.openxmlformats.org/officeDocument/2006/math">
                     <m:oMathParaPr>
@@ -4655,14 +4658,14 @@
                       <m:sSub>
                         <m:sSubPr>
                           <m:ctrlPr>
-                            <a:rPr lang="en-US" altLang="ko-KR" sz="2400" b="1" i="1" smtClean="0">
+                            <a:rPr lang="en-US" altLang="ko-KR" sz="3200" b="1" i="1" smtClean="0">
                               <a:latin typeface="Cambria Math" panose="02040503050406030204" pitchFamily="18" charset="0"/>
                             </a:rPr>
                           </m:ctrlPr>
                         </m:sSubPr>
                         <m:e>
                           <m:r>
-                            <a:rPr lang="en-US" altLang="ko-KR" sz="2400" b="1" i="1" smtClean="0">
+                            <a:rPr lang="en-US" altLang="ko-KR" sz="3200" b="1" i="1" smtClean="0">
                               <a:latin typeface="Cambria Math" panose="02040503050406030204" pitchFamily="18" charset="0"/>
                             </a:rPr>
                             <m:t>𝒉</m:t>
@@ -4670,7 +4673,7 @@
                         </m:e>
                         <m:sub>
                           <m:r>
-                            <a:rPr lang="en-US" altLang="ko-KR" sz="2400" b="1" i="1" smtClean="0">
+                            <a:rPr lang="en-US" altLang="ko-KR" sz="3200" b="1" i="1" smtClean="0">
                               <a:latin typeface="Cambria Math" panose="02040503050406030204" pitchFamily="18" charset="0"/>
                             </a:rPr>
                             <m:t>𝒕</m:t>
@@ -4680,7 +4683,7 @@
                     </m:oMath>
                   </m:oMathPara>
                 </a14:m>
-                <a:endParaRPr lang="ko-KR" altLang="en-US" sz="2400" b="1" dirty="0"/>
+                <a:endParaRPr lang="ko-KR" altLang="en-US" sz="3200" b="1" dirty="0"/>
               </a:p>
             </p:txBody>
           </p:sp>
@@ -4696,8 +4699,8 @@
             </p:nvSpPr>
             <p:spPr>
               <a:xfrm>
-                <a:off x="8453039" y="4473058"/>
-                <a:ext cx="370230" cy="369332"/>
+                <a:off x="8571804" y="4366615"/>
+                <a:ext cx="494751" cy="492443"/>
               </a:xfrm>
               <a:prstGeom prst="rect">
                 <a:avLst/>
@@ -4705,7 +4708,7 @@
               <a:blipFill>
                 <a:blip r:embed="rId9"/>
                 <a:stretch>
-                  <a:fillRect l="-21667" r="-10000" b="-15000"/>
+                  <a:fillRect/>
                 </a:stretch>
               </a:blipFill>
             </p:spPr>
@@ -4734,8 +4737,8 @@
             </p:nvSpPr>
             <p:spPr>
               <a:xfrm>
-                <a:off x="8453841" y="2378045"/>
-                <a:ext cx="368626" cy="369332"/>
+                <a:off x="8572607" y="2333217"/>
+                <a:ext cx="493147" cy="492443"/>
               </a:xfrm>
               <a:prstGeom prst="rect">
                 <a:avLst/>
@@ -4748,6 +4751,7 @@
               </a:bodyPr>
               <a:lstStyle/>
               <a:p>
+                <a:pPr/>
                 <a14:m>
                   <m:oMathPara xmlns:m="http://schemas.openxmlformats.org/officeDocument/2006/math">
                     <m:oMathParaPr>
@@ -4757,14 +4761,14 @@
                       <m:sSub>
                         <m:sSubPr>
                           <m:ctrlPr>
-                            <a:rPr lang="en-US" altLang="ko-KR" sz="2400" b="1" i="1" smtClean="0">
+                            <a:rPr lang="en-US" altLang="ko-KR" sz="3200" b="1" i="1" smtClean="0">
                               <a:latin typeface="Cambria Math" panose="02040503050406030204" pitchFamily="18" charset="0"/>
                             </a:rPr>
                           </m:ctrlPr>
                         </m:sSubPr>
                         <m:e>
                           <m:r>
-                            <a:rPr lang="en-US" altLang="ko-KR" sz="2400" b="1" i="1" smtClean="0">
+                            <a:rPr lang="en-US" altLang="ko-KR" sz="3200" b="1" i="1" smtClean="0">
                               <a:latin typeface="Cambria Math" panose="02040503050406030204" pitchFamily="18" charset="0"/>
                             </a:rPr>
                             <m:t>𝑪</m:t>
@@ -4772,7 +4776,7 @@
                         </m:e>
                         <m:sub>
                           <m:r>
-                            <a:rPr lang="en-US" altLang="ko-KR" sz="2400" b="1" i="1" smtClean="0">
+                            <a:rPr lang="en-US" altLang="ko-KR" sz="3200" b="1" i="1" smtClean="0">
                               <a:latin typeface="Cambria Math" panose="02040503050406030204" pitchFamily="18" charset="0"/>
                             </a:rPr>
                             <m:t>𝒕</m:t>
@@ -4782,7 +4786,7 @@
                     </m:oMath>
                   </m:oMathPara>
                 </a14:m>
-                <a:endParaRPr lang="ko-KR" altLang="en-US" sz="2400" b="1" dirty="0"/>
+                <a:endParaRPr lang="ko-KR" altLang="en-US" sz="3200" b="1" dirty="0"/>
               </a:p>
             </p:txBody>
           </p:sp>
@@ -4798,8 +4802,8 @@
             </p:nvSpPr>
             <p:spPr>
               <a:xfrm>
-                <a:off x="8453841" y="2378045"/>
-                <a:ext cx="368626" cy="369332"/>
+                <a:off x="8572607" y="2333217"/>
+                <a:ext cx="493147" cy="492443"/>
               </a:xfrm>
               <a:prstGeom prst="rect">
                 <a:avLst/>
@@ -4807,7 +4811,7 @@
               <a:blipFill>
                 <a:blip r:embed="rId10"/>
                 <a:stretch>
-                  <a:fillRect l="-20000" r="-8333" b="-13115"/>
+                  <a:fillRect/>
                 </a:stretch>
               </a:blipFill>
             </p:spPr>
@@ -4836,8 +4840,8 @@
             </p:nvSpPr>
             <p:spPr>
               <a:xfrm>
-                <a:off x="1664400" y="5653061"/>
-                <a:ext cx="354200" cy="369332"/>
+                <a:off x="1739879" y="5591506"/>
+                <a:ext cx="472309" cy="492443"/>
               </a:xfrm>
               <a:prstGeom prst="rect">
                 <a:avLst/>
@@ -4850,6 +4854,7 @@
               </a:bodyPr>
               <a:lstStyle/>
               <a:p>
+                <a:pPr/>
                 <a14:m>
                   <m:oMathPara xmlns:m="http://schemas.openxmlformats.org/officeDocument/2006/math">
                     <m:oMathParaPr>
@@ -4859,14 +4864,14 @@
                       <m:sSub>
                         <m:sSubPr>
                           <m:ctrlPr>
-                            <a:rPr lang="en-US" altLang="ko-KR" sz="2400" b="1" i="1" smtClean="0">
+                            <a:rPr lang="en-US" altLang="ko-KR" sz="3200" b="1" i="1" smtClean="0">
                               <a:latin typeface="Cambria Math" panose="02040503050406030204" pitchFamily="18" charset="0"/>
                             </a:rPr>
                           </m:ctrlPr>
                         </m:sSubPr>
                         <m:e>
                           <m:r>
-                            <a:rPr lang="en-US" altLang="ko-KR" sz="2400" b="1" i="1" smtClean="0">
+                            <a:rPr lang="en-US" altLang="ko-KR" sz="3200" b="1" i="1" smtClean="0">
                               <a:latin typeface="Cambria Math" panose="02040503050406030204" pitchFamily="18" charset="0"/>
                             </a:rPr>
                             <m:t>𝒙</m:t>
@@ -4874,7 +4879,7 @@
                         </m:e>
                         <m:sub>
                           <m:r>
-                            <a:rPr lang="en-US" altLang="ko-KR" sz="2400" b="1" i="1" smtClean="0">
+                            <a:rPr lang="en-US" altLang="ko-KR" sz="3200" b="1" i="1" smtClean="0">
                               <a:latin typeface="Cambria Math" panose="02040503050406030204" pitchFamily="18" charset="0"/>
                             </a:rPr>
                             <m:t>𝒕</m:t>
@@ -4884,7 +4889,7 @@
                     </m:oMath>
                   </m:oMathPara>
                 </a14:m>
-                <a:endParaRPr lang="ko-KR" altLang="en-US" sz="2400" b="1" dirty="0"/>
+                <a:endParaRPr lang="ko-KR" altLang="en-US" sz="3200" b="1" dirty="0"/>
               </a:p>
             </p:txBody>
           </p:sp>
@@ -4900,8 +4905,8 @@
             </p:nvSpPr>
             <p:spPr>
               <a:xfrm>
-                <a:off x="1664400" y="5653061"/>
-                <a:ext cx="354200" cy="369332"/>
+                <a:off x="1739879" y="5591506"/>
+                <a:ext cx="472309" cy="492443"/>
               </a:xfrm>
               <a:prstGeom prst="rect">
                 <a:avLst/>
@@ -4909,7 +4914,7 @@
               <a:blipFill>
                 <a:blip r:embed="rId11"/>
                 <a:stretch>
-                  <a:fillRect l="-12069" r="-8621" b="-13115"/>
+                  <a:fillRect/>
                 </a:stretch>
               </a:blipFill>
             </p:spPr>
@@ -4938,8 +4943,8 @@
             </p:nvSpPr>
             <p:spPr>
               <a:xfrm>
-                <a:off x="7074902" y="1012100"/>
-                <a:ext cx="370230" cy="369332"/>
+                <a:off x="7149084" y="957991"/>
+                <a:ext cx="494751" cy="492443"/>
               </a:xfrm>
               <a:prstGeom prst="rect">
                 <a:avLst/>
@@ -4952,6 +4957,7 @@
               </a:bodyPr>
               <a:lstStyle/>
               <a:p>
+                <a:pPr/>
                 <a14:m>
                   <m:oMathPara xmlns:m="http://schemas.openxmlformats.org/officeDocument/2006/math">
                     <m:oMathParaPr>
@@ -4961,14 +4967,14 @@
                       <m:sSub>
                         <m:sSubPr>
                           <m:ctrlPr>
-                            <a:rPr lang="en-US" altLang="ko-KR" sz="2400" b="1" i="1" smtClean="0">
+                            <a:rPr lang="en-US" altLang="ko-KR" sz="3200" b="1" i="1" smtClean="0">
                               <a:latin typeface="Cambria Math" panose="02040503050406030204" pitchFamily="18" charset="0"/>
                             </a:rPr>
                           </m:ctrlPr>
                         </m:sSubPr>
                         <m:e>
                           <m:r>
-                            <a:rPr lang="en-US" altLang="ko-KR" sz="2400" b="1" i="1" smtClean="0">
+                            <a:rPr lang="en-US" altLang="ko-KR" sz="3200" b="1" i="1" smtClean="0">
                               <a:latin typeface="Cambria Math" panose="02040503050406030204" pitchFamily="18" charset="0"/>
                             </a:rPr>
                             <m:t>𝒉</m:t>
@@ -4976,7 +4982,7 @@
                         </m:e>
                         <m:sub>
                           <m:r>
-                            <a:rPr lang="en-US" altLang="ko-KR" sz="2400" b="1" i="1" smtClean="0">
+                            <a:rPr lang="en-US" altLang="ko-KR" sz="3200" b="1" i="1" smtClean="0">
                               <a:latin typeface="Cambria Math" panose="02040503050406030204" pitchFamily="18" charset="0"/>
                             </a:rPr>
                             <m:t>𝒕</m:t>
@@ -4986,7 +4992,7 @@
                     </m:oMath>
                   </m:oMathPara>
                 </a14:m>
-                <a:endParaRPr lang="ko-KR" altLang="en-US" sz="2400" b="1" dirty="0"/>
+                <a:endParaRPr lang="ko-KR" altLang="en-US" sz="3200" b="1" dirty="0"/>
               </a:p>
             </p:txBody>
           </p:sp>
@@ -5002,8 +5008,8 @@
             </p:nvSpPr>
             <p:spPr>
               <a:xfrm>
-                <a:off x="7074902" y="1012100"/>
-                <a:ext cx="370230" cy="369332"/>
+                <a:off x="7149084" y="957991"/>
+                <a:ext cx="494751" cy="492443"/>
               </a:xfrm>
               <a:prstGeom prst="rect">
                 <a:avLst/>
@@ -5011,7 +5017,7 @@
               <a:blipFill>
                 <a:blip r:embed="rId12"/>
                 <a:stretch>
-                  <a:fillRect l="-21667" r="-10000" b="-13115"/>
+                  <a:fillRect/>
                 </a:stretch>
               </a:blipFill>
             </p:spPr>
@@ -5040,7 +5046,7 @@
             </p:nvSpPr>
             <p:spPr>
               <a:xfrm>
-                <a:off x="1976391" y="3147482"/>
+                <a:off x="2076975" y="3147482"/>
                 <a:ext cx="349391" cy="369332"/>
               </a:xfrm>
               <a:prstGeom prst="rect">
@@ -5054,6 +5060,7 @@
               </a:bodyPr>
               <a:lstStyle/>
               <a:p>
+                <a:pPr/>
                 <a14:m>
                   <m:oMathPara xmlns:m="http://schemas.openxmlformats.org/officeDocument/2006/math">
                     <m:oMathParaPr>
@@ -5104,7 +5111,7 @@
             </p:nvSpPr>
             <p:spPr>
               <a:xfrm>
-                <a:off x="1976391" y="3147482"/>
+                <a:off x="2076975" y="3147482"/>
                 <a:ext cx="349391" cy="369332"/>
               </a:xfrm>
               <a:prstGeom prst="rect">
@@ -5113,7 +5120,7 @@
               <a:blipFill>
                 <a:blip r:embed="rId13"/>
                 <a:stretch>
-                  <a:fillRect l="-29310" r="-6897" b="-34426"/>
+                  <a:fillRect l="-31579" r="-8772" b="-34426"/>
                 </a:stretch>
               </a:blipFill>
             </p:spPr>
@@ -5142,7 +5149,7 @@
             </p:nvSpPr>
             <p:spPr>
               <a:xfrm>
-                <a:off x="5477737" y="3298737"/>
+                <a:off x="5578321" y="3298737"/>
                 <a:ext cx="402290" cy="369332"/>
               </a:xfrm>
               <a:prstGeom prst="rect">
@@ -5156,6 +5163,7 @@
               </a:bodyPr>
               <a:lstStyle/>
               <a:p>
+                <a:pPr/>
                 <a14:m>
                   <m:oMathPara xmlns:m="http://schemas.openxmlformats.org/officeDocument/2006/math">
                     <m:oMathParaPr>
@@ -5206,7 +5214,7 @@
             </p:nvSpPr>
             <p:spPr>
               <a:xfrm>
-                <a:off x="5477737" y="3298737"/>
+                <a:off x="5578321" y="3298737"/>
                 <a:ext cx="402290" cy="369332"/>
               </a:xfrm>
               <a:prstGeom prst="rect">
@@ -5215,7 +5223,7 @@
               <a:blipFill>
                 <a:blip r:embed="rId14"/>
                 <a:stretch>
-                  <a:fillRect l="-18182" r="-7576" b="-13115"/>
+                  <a:fillRect l="-16667" r="-7576" b="-13115"/>
                 </a:stretch>
               </a:blipFill>
             </p:spPr>
@@ -5244,7 +5252,7 @@
             </p:nvSpPr>
             <p:spPr>
               <a:xfrm>
-                <a:off x="3291390" y="3379026"/>
+                <a:off x="3391974" y="3379026"/>
                 <a:ext cx="290079" cy="369332"/>
               </a:xfrm>
               <a:prstGeom prst="rect">
@@ -5258,6 +5266,7 @@
               </a:bodyPr>
               <a:lstStyle/>
               <a:p>
+                <a:pPr/>
                 <a14:m>
                   <m:oMathPara xmlns:m="http://schemas.openxmlformats.org/officeDocument/2006/math">
                     <m:oMathParaPr>
@@ -5308,7 +5317,7 @@
             </p:nvSpPr>
             <p:spPr>
               <a:xfrm>
-                <a:off x="3291390" y="3379026"/>
+                <a:off x="3391974" y="3379026"/>
                 <a:ext cx="290079" cy="369332"/>
               </a:xfrm>
               <a:prstGeom prst="rect">
@@ -5317,7 +5326,7 @@
               <a:blipFill>
                 <a:blip r:embed="rId15"/>
                 <a:stretch>
-                  <a:fillRect l="-25000" r="-10417" b="-13115"/>
+                  <a:fillRect l="-22917" r="-10417" b="-13115"/>
                 </a:stretch>
               </a:blipFill>
             </p:spPr>
@@ -5346,7 +5355,7 @@
             </p:nvSpPr>
             <p:spPr>
               <a:xfrm>
-                <a:off x="4467601" y="3522783"/>
+                <a:off x="4568185" y="3522783"/>
                 <a:ext cx="272510" cy="380938"/>
               </a:xfrm>
               <a:prstGeom prst="rect">
@@ -5402,7 +5411,7 @@
             </p:nvSpPr>
             <p:spPr>
               <a:xfrm>
-                <a:off x="4467601" y="3522783"/>
+                <a:off x="4568185" y="3522783"/>
                 <a:ext cx="272510" cy="380938"/>
               </a:xfrm>
               <a:prstGeom prst="rect">
@@ -5411,7 +5420,7 @@
               <a:blipFill>
                 <a:blip r:embed="rId16"/>
                 <a:stretch>
-                  <a:fillRect r="-48889" b="-35484"/>
+                  <a:fillRect r="-51111" b="-35484"/>
                 </a:stretch>
               </a:blipFill>
             </p:spPr>
@@ -5440,7 +5449,7 @@
             </p:nvSpPr>
             <p:spPr>
               <a:xfrm>
-                <a:off x="4620518" y="2234439"/>
+                <a:off x="4721102" y="2234439"/>
                 <a:ext cx="332092" cy="369332"/>
               </a:xfrm>
               <a:prstGeom prst="rect">
@@ -5454,6 +5463,7 @@
               </a:bodyPr>
               <a:lstStyle/>
               <a:p>
+                <a:pPr/>
                 <a14:m>
                   <m:oMathPara xmlns:m="http://schemas.openxmlformats.org/officeDocument/2006/math">
                     <m:oMathParaPr>
@@ -5504,7 +5514,7 @@
             </p:nvSpPr>
             <p:spPr>
               <a:xfrm>
-                <a:off x="4620518" y="2234439"/>
+                <a:off x="4721102" y="2234439"/>
                 <a:ext cx="332092" cy="369332"/>
               </a:xfrm>
               <a:prstGeom prst="rect">
@@ -5513,7 +5523,7 @@
               <a:blipFill>
                 <a:blip r:embed="rId17"/>
                 <a:stretch>
-                  <a:fillRect l="-27778" r="-14815" b="-15000"/>
+                  <a:fillRect l="-25455" r="-12727" b="-15000"/>
                 </a:stretch>
               </a:blipFill>
             </p:spPr>
@@ -5540,8 +5550,8 @@
         </p:nvSpPr>
         <p:spPr>
           <a:xfrm>
-            <a:off x="4299590" y="2825661"/>
-            <a:ext cx="187932" cy="769441"/>
+            <a:off x="4400174" y="2787561"/>
+            <a:ext cx="187932" cy="830997"/>
           </a:xfrm>
           <a:prstGeom prst="rect">
             <a:avLst/>
@@ -5556,10 +5566,10 @@
           <a:p>
             <a:pPr algn="ctr"/>
             <a:r>
-              <a:rPr lang="en-US" altLang="ko-KR" sz="4400" dirty="0" smtClean="0"/>
+              <a:rPr lang="en-US" altLang="ko-KR" sz="4800" dirty="0" smtClean="0"/>
               <a:t>.</a:t>
             </a:r>
-            <a:endParaRPr lang="ko-KR" altLang="en-US" sz="4400" dirty="0"/>
+            <a:endParaRPr lang="ko-KR" altLang="en-US" sz="4800" dirty="0"/>
           </a:p>
         </p:txBody>
       </p:sp>
@@ -5571,7 +5581,7 @@
         </p:nvSpPr>
         <p:spPr>
           <a:xfrm>
-            <a:off x="4217290" y="2415456"/>
+            <a:off x="4317874" y="2415456"/>
             <a:ext cx="360000" cy="360000"/>
           </a:xfrm>
           <a:prstGeom prst="ellipse">
@@ -5580,7 +5590,7 @@
           <a:solidFill>
             <a:schemeClr val="bg1"/>
           </a:solidFill>
-          <a:ln w="22225">
+          <a:ln w="31750">
             <a:solidFill>
               <a:schemeClr val="tx1"/>
             </a:solidFill>
@@ -5634,7 +5644,7 @@
         </p:nvCxnSpPr>
         <p:spPr>
           <a:xfrm>
-            <a:off x="4209670" y="2591658"/>
+            <a:off x="4310254" y="2591658"/>
             <a:ext cx="360000" cy="0"/>
           </a:xfrm>
           <a:prstGeom prst="line">
@@ -5672,7 +5682,7 @@
         </p:nvCxnSpPr>
         <p:spPr>
           <a:xfrm>
-            <a:off x="4389670" y="2411658"/>
+            <a:off x="4490254" y="2411658"/>
             <a:ext cx="0" cy="360000"/>
           </a:xfrm>
           <a:prstGeom prst="line">
@@ -5707,7 +5717,7 @@
         </p:nvSpPr>
         <p:spPr>
           <a:xfrm>
-            <a:off x="2111604" y="2415456"/>
+            <a:off x="2212188" y="2415456"/>
             <a:ext cx="360000" cy="360000"/>
           </a:xfrm>
           <a:prstGeom prst="ellipse">
@@ -5716,7 +5726,7 @@
           <a:solidFill>
             <a:schemeClr val="bg1"/>
           </a:solidFill>
-          <a:ln w="22225">
+          <a:ln w="31750">
             <a:solidFill>
               <a:schemeClr val="tx1"/>
             </a:solidFill>
@@ -5767,8 +5777,8 @@
         </p:nvSpPr>
         <p:spPr>
           <a:xfrm>
-            <a:off x="2197638" y="2070183"/>
-            <a:ext cx="187932" cy="769441"/>
+            <a:off x="2298222" y="2032083"/>
+            <a:ext cx="187932" cy="830997"/>
           </a:xfrm>
           <a:prstGeom prst="rect">
             <a:avLst/>
@@ -5783,10 +5793,10 @@
           <a:p>
             <a:pPr algn="ctr"/>
             <a:r>
-              <a:rPr lang="en-US" altLang="ko-KR" sz="4400" dirty="0" smtClean="0"/>
+              <a:rPr lang="en-US" altLang="ko-KR" sz="4800" dirty="0" smtClean="0"/>
               <a:t>.</a:t>
             </a:r>
-            <a:endParaRPr lang="ko-KR" altLang="en-US" sz="4400" dirty="0"/>
+            <a:endParaRPr lang="ko-KR" altLang="en-US" sz="4800" dirty="0"/>
           </a:p>
         </p:txBody>
       </p:sp>
@@ -5798,13 +5808,13 @@
         </p:nvCxnSpPr>
         <p:spPr>
           <a:xfrm flipV="1">
-            <a:off x="1422248" y="2590112"/>
+            <a:off x="1522832" y="2590112"/>
             <a:ext cx="681589" cy="0"/>
           </a:xfrm>
           <a:prstGeom prst="straightConnector1">
             <a:avLst/>
           </a:prstGeom>
-          <a:ln w="22225">
+          <a:ln w="31750">
             <a:solidFill>
               <a:schemeClr val="tx1"/>
             </a:solidFill>
@@ -5837,13 +5847,13 @@
         </p:nvCxnSpPr>
         <p:spPr>
           <a:xfrm>
-            <a:off x="6545794" y="3255645"/>
-            <a:ext cx="0" cy="263916"/>
+            <a:off x="6639277" y="3310655"/>
+            <a:ext cx="7101" cy="208906"/>
           </a:xfrm>
           <a:prstGeom prst="straightConnector1">
             <a:avLst/>
           </a:prstGeom>
-          <a:ln w="22225">
+          <a:ln w="31750">
             <a:solidFill>
               <a:schemeClr val="tx1"/>
             </a:solidFill>
@@ -5865,37 +5875,6 @@
           </a:fontRef>
         </p:style>
       </p:cxnSp>
-      <p:sp>
-        <p:nvSpPr>
-          <p:cNvPr id="51" name="TextBox 50"/>
-          <p:cNvSpPr txBox="1"/>
-          <p:nvPr/>
-        </p:nvSpPr>
-        <p:spPr>
-          <a:xfrm>
-            <a:off x="6456195" y="3162894"/>
-            <a:ext cx="187932" cy="769441"/>
-          </a:xfrm>
-          <a:prstGeom prst="rect">
-            <a:avLst/>
-          </a:prstGeom>
-          <a:noFill/>
-        </p:spPr>
-        <p:txBody>
-          <a:bodyPr wrap="square" rtlCol="0">
-            <a:spAutoFit/>
-          </a:bodyPr>
-          <a:lstStyle/>
-          <a:p>
-            <a:pPr algn="ctr"/>
-            <a:r>
-              <a:rPr lang="en-US" altLang="ko-KR" sz="4400" dirty="0" smtClean="0"/>
-              <a:t>.</a:t>
-            </a:r>
-            <a:endParaRPr lang="ko-KR" altLang="en-US" sz="4400" dirty="0"/>
-          </a:p>
-        </p:txBody>
-      </p:sp>
       <p:cxnSp>
         <p:nvCxnSpPr>
           <p:cNvPr id="122" name="직선 화살표 연결선 121"/>
@@ -5904,13 +5883,13 @@
         </p:nvCxnSpPr>
         <p:spPr>
           <a:xfrm flipV="1">
-            <a:off x="864952" y="2592850"/>
+            <a:off x="965536" y="2592850"/>
             <a:ext cx="536400" cy="1"/>
           </a:xfrm>
           <a:prstGeom prst="straightConnector1">
             <a:avLst/>
           </a:prstGeom>
-          <a:ln w="22225">
+          <a:ln w="31750">
             <a:solidFill>
               <a:schemeClr val="tx1"/>
             </a:solidFill>
@@ -5940,13 +5919,13 @@
         </p:nvSpPr>
         <p:spPr>
           <a:xfrm>
-            <a:off x="1458613" y="3974758"/>
+            <a:off x="1559197" y="3974758"/>
             <a:ext cx="1270799" cy="986413"/>
           </a:xfrm>
           <a:prstGeom prst="rect">
             <a:avLst/>
           </a:prstGeom>
-          <a:ln w="22225">
+          <a:ln w="31750">
             <a:solidFill>
               <a:srgbClr val="FF0000"/>
             </a:solidFill>
@@ -5973,13 +5952,13 @@
         </p:nvSpPr>
         <p:spPr>
           <a:xfrm>
-            <a:off x="5077054" y="2792920"/>
+            <a:off x="5177638" y="2792920"/>
             <a:ext cx="2527707" cy="2168251"/>
           </a:xfrm>
           <a:prstGeom prst="rect">
             <a:avLst/>
           </a:prstGeom>
-          <a:ln w="22225">
+          <a:ln w="31750">
             <a:solidFill>
               <a:srgbClr val="40D8EC"/>
             </a:solidFill>
@@ -6006,13 +5985,13 @@
         </p:nvSpPr>
         <p:spPr>
           <a:xfrm>
-            <a:off x="2825556" y="3974758"/>
+            <a:off x="2926140" y="3974758"/>
             <a:ext cx="2172270" cy="986413"/>
           </a:xfrm>
           <a:prstGeom prst="rect">
             <a:avLst/>
           </a:prstGeom>
-          <a:ln w="22225">
+          <a:ln w="31750">
             <a:solidFill>
               <a:srgbClr val="002060"/>
             </a:solidFill>
@@ -6039,7 +6018,7 @@
         </p:nvSpPr>
         <p:spPr>
           <a:xfrm>
-            <a:off x="1458613" y="2255246"/>
+            <a:off x="1559197" y="2255246"/>
             <a:ext cx="6137553" cy="1647445"/>
           </a:xfrm>
           <a:custGeom>
@@ -6121,7 +6100,7 @@
             </a:pathLst>
           </a:custGeom>
           <a:noFill/>
-          <a:ln w="22225">
+          <a:ln w="31750">
             <a:solidFill>
               <a:srgbClr val="00B050"/>
             </a:solidFill>
@@ -6149,6 +6128,37 @@
           <a:p>
             <a:pPr algn="ctr"/>
             <a:endParaRPr lang="ko-KR" altLang="en-US"/>
+          </a:p>
+        </p:txBody>
+      </p:sp>
+      <p:sp>
+        <p:nvSpPr>
+          <p:cNvPr id="51" name="TextBox 50"/>
+          <p:cNvSpPr txBox="1"/>
+          <p:nvPr/>
+        </p:nvSpPr>
+        <p:spPr>
+          <a:xfrm>
+            <a:off x="6556779" y="3132414"/>
+            <a:ext cx="187932" cy="830997"/>
+          </a:xfrm>
+          <a:prstGeom prst="rect">
+            <a:avLst/>
+          </a:prstGeom>
+          <a:noFill/>
+        </p:spPr>
+        <p:txBody>
+          <a:bodyPr wrap="square" rtlCol="0">
+            <a:spAutoFit/>
+          </a:bodyPr>
+          <a:lstStyle/>
+          <a:p>
+            <a:pPr algn="ctr"/>
+            <a:r>
+              <a:rPr lang="en-US" altLang="ko-KR" sz="4800" dirty="0" smtClean="0"/>
+              <a:t>.</a:t>
+            </a:r>
+            <a:endParaRPr lang="ko-KR" altLang="en-US" sz="4800" dirty="0"/>
           </a:p>
         </p:txBody>
       </p:sp>
